--- a/Tableau Final Docs/HR Insights Final .pptx
+++ b/Tableau Final Docs/HR Insights Final .pptx
@@ -1,21 +1,21 @@
 
 <file path=ppt/presentation.xml><?xml version="1.0" encoding="utf-8"?>
-<p:presentation xmlns:a="http://schemas.openxmlformats.org/drawingml/2006/main" xmlns:p="http://schemas.openxmlformats.org/presentationml/2006/main" xmlns:r="http://schemas.openxmlformats.org/officeDocument/2006/relationships" saveSubsetFonts="1">
+<p:presentation xmlns:a="http://schemas.openxmlformats.org/drawingml/2006/main" xmlns:r="http://schemas.openxmlformats.org/officeDocument/2006/relationships" xmlns:p="http://schemas.openxmlformats.org/presentationml/2006/main" saveSubsetFonts="1">
   <p:sldMasterIdLst>
     <p:sldMasterId id="2147483648" r:id="rId1"/>
   </p:sldMasterIdLst>
   <p:sldIdLst>
-    <p:sldId id="256" r:id="rId6"/>
-    <p:sldId id="257" r:id="rId7"/>
-    <p:sldId id="258" r:id="rId8"/>
-    <p:sldId id="259" r:id="rId9"/>
-    <p:sldId id="260" r:id="rId10"/>
-    <p:sldId id="261" r:id="rId11"/>
-    <p:sldId id="262" r:id="rId12"/>
-    <p:sldId id="263" r:id="rId13"/>
-    <p:sldId id="264" r:id="rId14"/>
-    <p:sldId id="265" r:id="rId15"/>
-    <p:sldId id="266" r:id="rId16"/>
+    <p:sldId id="256" r:id="rId2"/>
+    <p:sldId id="257" r:id="rId3"/>
+    <p:sldId id="258" r:id="rId4"/>
+    <p:sldId id="259" r:id="rId5"/>
+    <p:sldId id="260" r:id="rId6"/>
+    <p:sldId id="261" r:id="rId7"/>
+    <p:sldId id="262" r:id="rId8"/>
+    <p:sldId id="263" r:id="rId9"/>
+    <p:sldId id="264" r:id="rId10"/>
+    <p:sldId id="265" r:id="rId11"/>
+    <p:sldId id="266" r:id="rId12"/>
   </p:sldIdLst>
   <p:sldSz cx="12192000" cy="6858000"/>
   <p:notesSz cx="6858000" cy="9144000"/>
@@ -23,8 +23,8 @@
     <a:defPPr>
       <a:defRPr lang="en-US"/>
     </a:defPPr>
-    <a:lvl1pPr algn="l" defTabSz="914400" eaLnBrk="1" hangingPunct="1" latinLnBrk="0" marL="0" rtl="0">
-      <a:defRPr kern="1200" sz="1800">
+    <a:lvl1pPr marL="0" algn="l" defTabSz="914400" rtl="0" eaLnBrk="1" latinLnBrk="0" hangingPunct="1">
+      <a:defRPr sz="1800" kern="1200">
         <a:solidFill>
           <a:schemeClr val="tx1"/>
         </a:solidFill>
@@ -33,8 +33,8 @@
         <a:cs typeface="+mn-cs"/>
       </a:defRPr>
     </a:lvl1pPr>
-    <a:lvl2pPr algn="l" defTabSz="914400" eaLnBrk="1" hangingPunct="1" latinLnBrk="0" marL="457200" rtl="0">
-      <a:defRPr kern="1200" sz="1800">
+    <a:lvl2pPr marL="457200" algn="l" defTabSz="914400" rtl="0" eaLnBrk="1" latinLnBrk="0" hangingPunct="1">
+      <a:defRPr sz="1800" kern="1200">
         <a:solidFill>
           <a:schemeClr val="tx1"/>
         </a:solidFill>
@@ -43,8 +43,8 @@
         <a:cs typeface="+mn-cs"/>
       </a:defRPr>
     </a:lvl2pPr>
-    <a:lvl3pPr algn="l" defTabSz="914400" eaLnBrk="1" hangingPunct="1" latinLnBrk="0" marL="914400" rtl="0">
-      <a:defRPr kern="1200" sz="1800">
+    <a:lvl3pPr marL="914400" algn="l" defTabSz="914400" rtl="0" eaLnBrk="1" latinLnBrk="0" hangingPunct="1">
+      <a:defRPr sz="1800" kern="1200">
         <a:solidFill>
           <a:schemeClr val="tx1"/>
         </a:solidFill>
@@ -53,8 +53,8 @@
         <a:cs typeface="+mn-cs"/>
       </a:defRPr>
     </a:lvl3pPr>
-    <a:lvl4pPr algn="l" defTabSz="914400" eaLnBrk="1" hangingPunct="1" latinLnBrk="0" marL="1371600" rtl="0">
-      <a:defRPr kern="1200" sz="1800">
+    <a:lvl4pPr marL="1371600" algn="l" defTabSz="914400" rtl="0" eaLnBrk="1" latinLnBrk="0" hangingPunct="1">
+      <a:defRPr sz="1800" kern="1200">
         <a:solidFill>
           <a:schemeClr val="tx1"/>
         </a:solidFill>
@@ -63,8 +63,8 @@
         <a:cs typeface="+mn-cs"/>
       </a:defRPr>
     </a:lvl4pPr>
-    <a:lvl5pPr algn="l" defTabSz="914400" eaLnBrk="1" hangingPunct="1" latinLnBrk="0" marL="1828800" rtl="0">
-      <a:defRPr kern="1200" sz="1800">
+    <a:lvl5pPr marL="1828800" algn="l" defTabSz="914400" rtl="0" eaLnBrk="1" latinLnBrk="0" hangingPunct="1">
+      <a:defRPr sz="1800" kern="1200">
         <a:solidFill>
           <a:schemeClr val="tx1"/>
         </a:solidFill>
@@ -73,8 +73,8 @@
         <a:cs typeface="+mn-cs"/>
       </a:defRPr>
     </a:lvl5pPr>
-    <a:lvl6pPr algn="l" defTabSz="914400" eaLnBrk="1" hangingPunct="1" latinLnBrk="0" marL="2286000" rtl="0">
-      <a:defRPr kern="1200" sz="1800">
+    <a:lvl6pPr marL="2286000" algn="l" defTabSz="914400" rtl="0" eaLnBrk="1" latinLnBrk="0" hangingPunct="1">
+      <a:defRPr sz="1800" kern="1200">
         <a:solidFill>
           <a:schemeClr val="tx1"/>
         </a:solidFill>
@@ -83,8 +83,8 @@
         <a:cs typeface="+mn-cs"/>
       </a:defRPr>
     </a:lvl6pPr>
-    <a:lvl7pPr algn="l" defTabSz="914400" eaLnBrk="1" hangingPunct="1" latinLnBrk="0" marL="2743200" rtl="0">
-      <a:defRPr kern="1200" sz="1800">
+    <a:lvl7pPr marL="2743200" algn="l" defTabSz="914400" rtl="0" eaLnBrk="1" latinLnBrk="0" hangingPunct="1">
+      <a:defRPr sz="1800" kern="1200">
         <a:solidFill>
           <a:schemeClr val="tx1"/>
         </a:solidFill>
@@ -93,8 +93,8 @@
         <a:cs typeface="+mn-cs"/>
       </a:defRPr>
     </a:lvl7pPr>
-    <a:lvl8pPr algn="l" defTabSz="914400" eaLnBrk="1" hangingPunct="1" latinLnBrk="0" marL="3200400" rtl="0">
-      <a:defRPr kern="1200" sz="1800">
+    <a:lvl8pPr marL="3200400" algn="l" defTabSz="914400" rtl="0" eaLnBrk="1" latinLnBrk="0" hangingPunct="1">
+      <a:defRPr sz="1800" kern="1200">
         <a:solidFill>
           <a:schemeClr val="tx1"/>
         </a:solidFill>
@@ -103,8 +103,8 @@
         <a:cs typeface="+mn-cs"/>
       </a:defRPr>
     </a:lvl8pPr>
-    <a:lvl9pPr algn="l" defTabSz="914400" eaLnBrk="1" hangingPunct="1" latinLnBrk="0" marL="3657600" rtl="0">
-      <a:defRPr kern="1200" sz="1800">
+    <a:lvl9pPr marL="3657600" algn="l" defTabSz="914400" rtl="0" eaLnBrk="1" latinLnBrk="0" hangingPunct="1">
+      <a:defRPr sz="1800" kern="1200">
         <a:solidFill>
           <a:schemeClr val="tx1"/>
         </a:solidFill>
@@ -114,6 +114,11 @@
       </a:defRPr>
     </a:lvl9pPr>
   </p:defaultTextStyle>
+  <p:extLst>
+    <p:ext uri="{EFAFB233-063F-42B5-8137-9DF3F51BA10A}">
+      <p15:sldGuideLst xmlns:p15="http://schemas.microsoft.com/office/powerpoint/2012/main"/>
+    </p:ext>
+  </p:extLst>
 </p:presentation>
 </file>
 
@@ -264,7 +269,7 @@
           <a:p>
             <a:fld id="{EED1C14C-A143-42F5-B247-D0E800131009}" type="datetimeFigureOut">
               <a:rPr lang="en-US" smtClean="0"/>
-              <a:t>8/15/2018</a:t>
+              <a:t>11/24/21</a:t>
             </a:fld>
             <a:endParaRPr lang="en-US"/>
           </a:p>
@@ -462,7 +467,7 @@
           <a:p>
             <a:fld id="{EED1C14C-A143-42F5-B247-D0E800131009}" type="datetimeFigureOut">
               <a:rPr lang="en-US" smtClean="0"/>
-              <a:t>8/15/2018</a:t>
+              <a:t>11/24/21</a:t>
             </a:fld>
             <a:endParaRPr lang="en-US"/>
           </a:p>
@@ -670,7 +675,7 @@
           <a:p>
             <a:fld id="{EED1C14C-A143-42F5-B247-D0E800131009}" type="datetimeFigureOut">
               <a:rPr lang="en-US" smtClean="0"/>
-              <a:t>8/15/2018</a:t>
+              <a:t>11/24/21</a:t>
             </a:fld>
             <a:endParaRPr lang="en-US"/>
           </a:p>
@@ -868,7 +873,7 @@
           <a:p>
             <a:fld id="{EED1C14C-A143-42F5-B247-D0E800131009}" type="datetimeFigureOut">
               <a:rPr lang="en-US" smtClean="0"/>
-              <a:t>8/15/2018</a:t>
+              <a:t>11/24/21</a:t>
             </a:fld>
             <a:endParaRPr lang="en-US"/>
           </a:p>
@@ -1143,7 +1148,7 @@
           <a:p>
             <a:fld id="{EED1C14C-A143-42F5-B247-D0E800131009}" type="datetimeFigureOut">
               <a:rPr lang="en-US" smtClean="0"/>
-              <a:t>8/15/2018</a:t>
+              <a:t>11/24/21</a:t>
             </a:fld>
             <a:endParaRPr lang="en-US"/>
           </a:p>
@@ -1408,7 +1413,7 @@
           <a:p>
             <a:fld id="{EED1C14C-A143-42F5-B247-D0E800131009}" type="datetimeFigureOut">
               <a:rPr lang="en-US" smtClean="0"/>
-              <a:t>8/15/2018</a:t>
+              <a:t>11/24/21</a:t>
             </a:fld>
             <a:endParaRPr lang="en-US"/>
           </a:p>
@@ -1820,7 +1825,7 @@
           <a:p>
             <a:fld id="{EED1C14C-A143-42F5-B247-D0E800131009}" type="datetimeFigureOut">
               <a:rPr lang="en-US" smtClean="0"/>
-              <a:t>8/15/2018</a:t>
+              <a:t>11/24/21</a:t>
             </a:fld>
             <a:endParaRPr lang="en-US"/>
           </a:p>
@@ -1961,7 +1966,7 @@
           <a:p>
             <a:fld id="{EED1C14C-A143-42F5-B247-D0E800131009}" type="datetimeFigureOut">
               <a:rPr lang="en-US" smtClean="0"/>
-              <a:t>8/15/2018</a:t>
+              <a:t>11/24/21</a:t>
             </a:fld>
             <a:endParaRPr lang="en-US"/>
           </a:p>
@@ -2074,7 +2079,7 @@
           <a:p>
             <a:fld id="{EED1C14C-A143-42F5-B247-D0E800131009}" type="datetimeFigureOut">
               <a:rPr lang="en-US" smtClean="0"/>
-              <a:t>8/15/2018</a:t>
+              <a:t>11/24/21</a:t>
             </a:fld>
             <a:endParaRPr lang="en-US"/>
           </a:p>
@@ -2385,7 +2390,7 @@
           <a:p>
             <a:fld id="{EED1C14C-A143-42F5-B247-D0E800131009}" type="datetimeFigureOut">
               <a:rPr lang="en-US" smtClean="0"/>
-              <a:t>8/15/2018</a:t>
+              <a:t>11/24/21</a:t>
             </a:fld>
             <a:endParaRPr lang="en-US"/>
           </a:p>
@@ -2673,7 +2678,7 @@
           <a:p>
             <a:fld id="{EED1C14C-A143-42F5-B247-D0E800131009}" type="datetimeFigureOut">
               <a:rPr lang="en-US" smtClean="0"/>
-              <a:t>8/15/2018</a:t>
+              <a:t>11/24/21</a:t>
             </a:fld>
             <a:endParaRPr lang="en-US"/>
           </a:p>
@@ -2914,7 +2919,7 @@
           <a:p>
             <a:fld id="{EED1C14C-A143-42F5-B247-D0E800131009}" type="datetimeFigureOut">
               <a:rPr lang="en-US" smtClean="0"/>
-              <a:t>8/15/2018</a:t>
+              <a:t>11/24/21</a:t>
             </a:fld>
             <a:endParaRPr lang="en-US"/>
           </a:p>
@@ -3315,7 +3320,7 @@
 </file>
 
 <file path=ppt/slides/slide1.xml><?xml version="1.0" encoding="utf-8"?>
-<p:sld xmlns:a="http://schemas.openxmlformats.org/drawingml/2006/main" xmlns:p="http://schemas.openxmlformats.org/presentationml/2006/main" xmlns:r="http://schemas.openxmlformats.org/officeDocument/2006/relationships">
+<p:sld xmlns:a="http://schemas.openxmlformats.org/drawingml/2006/main" xmlns:r="http://schemas.openxmlformats.org/officeDocument/2006/relationships" xmlns:p="http://schemas.openxmlformats.org/presentationml/2006/main">
   <p:cSld>
     <p:spTree>
       <p:nvGrpSpPr>
@@ -3333,7 +3338,7 @@
       </p:grpSpPr>
       <p:sp>
         <p:nvSpPr>
-          <p:cNvPr id="0" name="slide1">
+          <p:cNvPr id="2" name="slide1">
             <a:extLst>
               <a:ext uri="{FF2B5EF4-FFF2-40B4-BE49-F238E27FC236}">
                 <a16:creationId xmlns:a16="http://schemas.microsoft.com/office/drawing/2014/main" id="{7CE8CAFD-12BE-48AF-B37A-F95D78198AEB}"/>
@@ -3344,7 +3349,7 @@
             <a:spLocks noGrp="1"/>
           </p:cNvSpPr>
           <p:nvPr>
-            <p:ph idx="0" type="ctrTitle"/>
+            <p:ph type="ctrTitle"/>
           </p:nvPr>
         </p:nvSpPr>
         <p:spPr/>
@@ -3353,7 +3358,6 @@
           <a:lstStyle/>
           <a:p>
             <a:r>
-              <a:rPr/>
               <a:t>HR Insights Final </a:t>
             </a:r>
           </a:p>
@@ -3361,7 +3365,7 @@
       </p:sp>
       <p:sp>
         <p:nvSpPr>
-          <p:cNvPr id="1" name="slide1">
+          <p:cNvPr id="3" name="slide1">
             <a:extLst>
               <a:ext uri="{FF2B5EF4-FFF2-40B4-BE49-F238E27FC236}">
                 <a16:creationId xmlns:a16="http://schemas.microsoft.com/office/drawing/2014/main" id="{B9E78AF5-34AA-4D80-B6BE-E8642C71A585}"/>
@@ -3372,7 +3376,7 @@
             <a:spLocks noGrp="1"/>
           </p:cNvSpPr>
           <p:nvPr>
-            <p:ph idx="1" type="subTitle"/>
+            <p:ph type="subTitle" idx="1"/>
           </p:nvPr>
         </p:nvSpPr>
         <p:spPr/>
@@ -3381,7 +3385,6 @@
           <a:lstStyle/>
           <a:p>
             <a:r>
-              <a:rPr/>
               <a:t>File created on: 9/25/21 11:34:49 AM EDT</a:t>
             </a:r>
           </a:p>
@@ -3401,7 +3404,7 @@
 </file>
 
 <file path=ppt/slides/slide10.xml><?xml version="1.0" encoding="utf-8"?>
-<p:sld xmlns:a="http://schemas.openxmlformats.org/drawingml/2006/main" xmlns:p="http://schemas.openxmlformats.org/presentationml/2006/main" xmlns:r="http://schemas.openxmlformats.org/officeDocument/2006/relationships">
+<p:sld xmlns:a="http://schemas.openxmlformats.org/drawingml/2006/main" xmlns:r="http://schemas.openxmlformats.org/officeDocument/2006/relationships" xmlns:p="http://schemas.openxmlformats.org/presentationml/2006/main">
   <p:cSld>
     <p:spTree>
       <p:nvGrpSpPr>
@@ -3419,7 +3422,7 @@
       </p:grpSpPr>
       <p:pic>
         <p:nvPicPr>
-          <p:cNvPr descr="HR Insights9" id="10" name="slide10">
+          <p:cNvPr id="10" name="slide10" descr="HR Insights9">
             <a:extLst>
               <a:ext uri="{FF2B5EF4-FFF2-40B4-BE49-F238E27FC236}">
                 <a16:creationId xmlns:a16="http://schemas.microsoft.com/office/drawing/2014/main" id="{F02E9F39-2CBD-4F94-B68C-B1F7E5676488}"/>
@@ -3432,7 +3435,7 @@
           <p:nvPr/>
         </p:nvPicPr>
         <p:blipFill>
-          <a:blip r:embed="rId15">
+          <a:blip r:embed="rId2">
             <a:extLst>
               <a:ext uri="{28A0092B-C50C-407E-A947-70E740481C1C}">
                 <a14:useLocalDpi xmlns:a14="http://schemas.microsoft.com/office/drawing/2010/main" val="0"/>
@@ -3467,7 +3470,7 @@
 </file>
 
 <file path=ppt/slides/slide11.xml><?xml version="1.0" encoding="utf-8"?>
-<p:sld xmlns:a="http://schemas.openxmlformats.org/drawingml/2006/main" xmlns:p="http://schemas.openxmlformats.org/presentationml/2006/main" xmlns:r="http://schemas.openxmlformats.org/officeDocument/2006/relationships">
+<p:sld xmlns:a="http://schemas.openxmlformats.org/drawingml/2006/main" xmlns:r="http://schemas.openxmlformats.org/officeDocument/2006/relationships" xmlns:p="http://schemas.openxmlformats.org/presentationml/2006/main">
   <p:cSld>
     <p:spTree>
       <p:nvGrpSpPr>
@@ -3485,7 +3488,7 @@
       </p:grpSpPr>
       <p:pic>
         <p:nvPicPr>
-          <p:cNvPr descr="HR Insights10" id="11" name="slide11">
+          <p:cNvPr id="11" name="slide11" descr="HR Insights10">
             <a:extLst>
               <a:ext uri="{FF2B5EF4-FFF2-40B4-BE49-F238E27FC236}">
                 <a16:creationId xmlns:a16="http://schemas.microsoft.com/office/drawing/2014/main" id="{A57949A3-F680-4590-B52F-297B44401531}"/>
@@ -3498,7 +3501,7 @@
           <p:nvPr/>
         </p:nvPicPr>
         <p:blipFill>
-          <a:blip r:embed="rId16">
+          <a:blip r:embed="rId2">
             <a:extLst>
               <a:ext uri="{28A0092B-C50C-407E-A947-70E740481C1C}">
                 <a14:useLocalDpi xmlns:a14="http://schemas.microsoft.com/office/drawing/2010/main" val="0"/>
@@ -3533,7 +3536,7 @@
 </file>
 
 <file path=ppt/slides/slide2.xml><?xml version="1.0" encoding="utf-8"?>
-<p:sld xmlns:a="http://schemas.openxmlformats.org/drawingml/2006/main" xmlns:p="http://schemas.openxmlformats.org/presentationml/2006/main" xmlns:r="http://schemas.openxmlformats.org/officeDocument/2006/relationships">
+<p:sld xmlns:a="http://schemas.openxmlformats.org/drawingml/2006/main" xmlns:r="http://schemas.openxmlformats.org/officeDocument/2006/relationships" xmlns:p="http://schemas.openxmlformats.org/presentationml/2006/main">
   <p:cSld>
     <p:spTree>
       <p:nvGrpSpPr>
@@ -3551,7 +3554,7 @@
       </p:grpSpPr>
       <p:pic>
         <p:nvPicPr>
-          <p:cNvPr descr="HR Insights1" id="2" name="slide2">
+          <p:cNvPr id="2" name="slide2" descr="HR Insights1">
             <a:extLst>
               <a:ext uri="{FF2B5EF4-FFF2-40B4-BE49-F238E27FC236}">
                 <a16:creationId xmlns:a16="http://schemas.microsoft.com/office/drawing/2014/main" id="{07D9E1E9-FC50-4065-B1B3-31F8D8E3083D}"/>
@@ -3564,7 +3567,7 @@
           <p:nvPr/>
         </p:nvPicPr>
         <p:blipFill>
-          <a:blip r:embed="rId7">
+          <a:blip r:embed="rId2">
             <a:extLst>
               <a:ext uri="{28A0092B-C50C-407E-A947-70E740481C1C}">
                 <a14:useLocalDpi xmlns:a14="http://schemas.microsoft.com/office/drawing/2010/main" val="0"/>
@@ -3599,7 +3602,7 @@
 </file>
 
 <file path=ppt/slides/slide3.xml><?xml version="1.0" encoding="utf-8"?>
-<p:sld xmlns:a="http://schemas.openxmlformats.org/drawingml/2006/main" xmlns:p="http://schemas.openxmlformats.org/presentationml/2006/main" xmlns:r="http://schemas.openxmlformats.org/officeDocument/2006/relationships">
+<p:sld xmlns:a="http://schemas.openxmlformats.org/drawingml/2006/main" xmlns:r="http://schemas.openxmlformats.org/officeDocument/2006/relationships" xmlns:p="http://schemas.openxmlformats.org/presentationml/2006/main">
   <p:cSld>
     <p:spTree>
       <p:nvGrpSpPr>
@@ -3617,7 +3620,7 @@
       </p:grpSpPr>
       <p:pic>
         <p:nvPicPr>
-          <p:cNvPr descr="HR Insights2" id="3" name="slide3">
+          <p:cNvPr id="3" name="slide3" descr="HR Insights2">
             <a:extLst>
               <a:ext uri="{FF2B5EF4-FFF2-40B4-BE49-F238E27FC236}">
                 <a16:creationId xmlns:a16="http://schemas.microsoft.com/office/drawing/2014/main" id="{A6A45295-EC81-41AE-BBE8-B389733AD63D}"/>
@@ -3630,7 +3633,7 @@
           <p:nvPr/>
         </p:nvPicPr>
         <p:blipFill>
-          <a:blip r:embed="rId8">
+          <a:blip r:embed="rId2">
             <a:extLst>
               <a:ext uri="{28A0092B-C50C-407E-A947-70E740481C1C}">
                 <a14:useLocalDpi xmlns:a14="http://schemas.microsoft.com/office/drawing/2010/main" val="0"/>
@@ -3665,7 +3668,7 @@
 </file>
 
 <file path=ppt/slides/slide4.xml><?xml version="1.0" encoding="utf-8"?>
-<p:sld xmlns:a="http://schemas.openxmlformats.org/drawingml/2006/main" xmlns:p="http://schemas.openxmlformats.org/presentationml/2006/main" xmlns:r="http://schemas.openxmlformats.org/officeDocument/2006/relationships">
+<p:sld xmlns:a="http://schemas.openxmlformats.org/drawingml/2006/main" xmlns:r="http://schemas.openxmlformats.org/officeDocument/2006/relationships" xmlns:p="http://schemas.openxmlformats.org/presentationml/2006/main">
   <p:cSld>
     <p:spTree>
       <p:nvGrpSpPr>
@@ -3683,7 +3686,7 @@
       </p:grpSpPr>
       <p:pic>
         <p:nvPicPr>
-          <p:cNvPr descr="HR Insights3" id="4" name="slide4">
+          <p:cNvPr id="4" name="slide4" descr="HR Insights3">
             <a:extLst>
               <a:ext uri="{FF2B5EF4-FFF2-40B4-BE49-F238E27FC236}">
                 <a16:creationId xmlns:a16="http://schemas.microsoft.com/office/drawing/2014/main" id="{E56D93DE-C57B-4C39-A9E8-042F1AE9B2F0}"/>
@@ -3696,7 +3699,7 @@
           <p:nvPr/>
         </p:nvPicPr>
         <p:blipFill>
-          <a:blip r:embed="rId9">
+          <a:blip r:embed="rId2">
             <a:extLst>
               <a:ext uri="{28A0092B-C50C-407E-A947-70E740481C1C}">
                 <a14:useLocalDpi xmlns:a14="http://schemas.microsoft.com/office/drawing/2010/main" val="0"/>
@@ -3731,7 +3734,7 @@
 </file>
 
 <file path=ppt/slides/slide5.xml><?xml version="1.0" encoding="utf-8"?>
-<p:sld xmlns:a="http://schemas.openxmlformats.org/drawingml/2006/main" xmlns:p="http://schemas.openxmlformats.org/presentationml/2006/main" xmlns:r="http://schemas.openxmlformats.org/officeDocument/2006/relationships">
+<p:sld xmlns:a="http://schemas.openxmlformats.org/drawingml/2006/main" xmlns:r="http://schemas.openxmlformats.org/officeDocument/2006/relationships" xmlns:p="http://schemas.openxmlformats.org/presentationml/2006/main">
   <p:cSld>
     <p:spTree>
       <p:nvGrpSpPr>
@@ -3749,7 +3752,7 @@
       </p:grpSpPr>
       <p:pic>
         <p:nvPicPr>
-          <p:cNvPr descr="HR Insights4" id="5" name="slide5">
+          <p:cNvPr id="5" name="slide5" descr="HR Insights4">
             <a:extLst>
               <a:ext uri="{FF2B5EF4-FFF2-40B4-BE49-F238E27FC236}">
                 <a16:creationId xmlns:a16="http://schemas.microsoft.com/office/drawing/2014/main" id="{3D9F4DAC-AEDA-49E9-B944-1C011225813F}"/>
@@ -3762,7 +3765,7 @@
           <p:nvPr/>
         </p:nvPicPr>
         <p:blipFill>
-          <a:blip r:embed="rId10">
+          <a:blip r:embed="rId2">
             <a:extLst>
               <a:ext uri="{28A0092B-C50C-407E-A947-70E740481C1C}">
                 <a14:useLocalDpi xmlns:a14="http://schemas.microsoft.com/office/drawing/2010/main" val="0"/>
@@ -3797,7 +3800,7 @@
 </file>
 
 <file path=ppt/slides/slide6.xml><?xml version="1.0" encoding="utf-8"?>
-<p:sld xmlns:a="http://schemas.openxmlformats.org/drawingml/2006/main" xmlns:p="http://schemas.openxmlformats.org/presentationml/2006/main" xmlns:r="http://schemas.openxmlformats.org/officeDocument/2006/relationships">
+<p:sld xmlns:a="http://schemas.openxmlformats.org/drawingml/2006/main" xmlns:r="http://schemas.openxmlformats.org/officeDocument/2006/relationships" xmlns:p="http://schemas.openxmlformats.org/presentationml/2006/main">
   <p:cSld>
     <p:spTree>
       <p:nvGrpSpPr>
@@ -3815,7 +3818,7 @@
       </p:grpSpPr>
       <p:pic>
         <p:nvPicPr>
-          <p:cNvPr descr="HR Insights5" id="6" name="slide6">
+          <p:cNvPr id="6" name="slide6" descr="HR Insights5">
             <a:extLst>
               <a:ext uri="{FF2B5EF4-FFF2-40B4-BE49-F238E27FC236}">
                 <a16:creationId xmlns:a16="http://schemas.microsoft.com/office/drawing/2014/main" id="{25CF208A-0BFF-461D-87E5-3238793B761E}"/>
@@ -3828,7 +3831,7 @@
           <p:nvPr/>
         </p:nvPicPr>
         <p:blipFill>
-          <a:blip r:embed="rId11">
+          <a:blip r:embed="rId2">
             <a:extLst>
               <a:ext uri="{28A0092B-C50C-407E-A947-70E740481C1C}">
                 <a14:useLocalDpi xmlns:a14="http://schemas.microsoft.com/office/drawing/2010/main" val="0"/>
@@ -3863,7 +3866,7 @@
 </file>
 
 <file path=ppt/slides/slide7.xml><?xml version="1.0" encoding="utf-8"?>
-<p:sld xmlns:a="http://schemas.openxmlformats.org/drawingml/2006/main" xmlns:p="http://schemas.openxmlformats.org/presentationml/2006/main" xmlns:r="http://schemas.openxmlformats.org/officeDocument/2006/relationships">
+<p:sld xmlns:a="http://schemas.openxmlformats.org/drawingml/2006/main" xmlns:r="http://schemas.openxmlformats.org/officeDocument/2006/relationships" xmlns:p="http://schemas.openxmlformats.org/presentationml/2006/main">
   <p:cSld>
     <p:spTree>
       <p:nvGrpSpPr>
@@ -3881,7 +3884,7 @@
       </p:grpSpPr>
       <p:pic>
         <p:nvPicPr>
-          <p:cNvPr descr="HR Insights6" id="7" name="slide7">
+          <p:cNvPr id="7" name="slide7" descr="HR Insights6">
             <a:extLst>
               <a:ext uri="{FF2B5EF4-FFF2-40B4-BE49-F238E27FC236}">
                 <a16:creationId xmlns:a16="http://schemas.microsoft.com/office/drawing/2014/main" id="{E4F3AF36-B144-4F1D-AB1F-0B034F17EEAC}"/>
@@ -3894,7 +3897,7 @@
           <p:nvPr/>
         </p:nvPicPr>
         <p:blipFill>
-          <a:blip r:embed="rId12">
+          <a:blip r:embed="rId2">
             <a:extLst>
               <a:ext uri="{28A0092B-C50C-407E-A947-70E740481C1C}">
                 <a14:useLocalDpi xmlns:a14="http://schemas.microsoft.com/office/drawing/2010/main" val="0"/>
@@ -3929,7 +3932,7 @@
 </file>
 
 <file path=ppt/slides/slide8.xml><?xml version="1.0" encoding="utf-8"?>
-<p:sld xmlns:a="http://schemas.openxmlformats.org/drawingml/2006/main" xmlns:p="http://schemas.openxmlformats.org/presentationml/2006/main" xmlns:r="http://schemas.openxmlformats.org/officeDocument/2006/relationships">
+<p:sld xmlns:a="http://schemas.openxmlformats.org/drawingml/2006/main" xmlns:r="http://schemas.openxmlformats.org/officeDocument/2006/relationships" xmlns:p="http://schemas.openxmlformats.org/presentationml/2006/main">
   <p:cSld>
     <p:spTree>
       <p:nvGrpSpPr>
@@ -3947,7 +3950,7 @@
       </p:grpSpPr>
       <p:pic>
         <p:nvPicPr>
-          <p:cNvPr descr="HR Insights7" id="8" name="slide8">
+          <p:cNvPr id="8" name="slide8" descr="HR Insights7">
             <a:extLst>
               <a:ext uri="{FF2B5EF4-FFF2-40B4-BE49-F238E27FC236}">
                 <a16:creationId xmlns:a16="http://schemas.microsoft.com/office/drawing/2014/main" id="{D1AA8F59-4979-4D64-985C-FFF31E697FF1}"/>
@@ -3960,7 +3963,7 @@
           <p:nvPr/>
         </p:nvPicPr>
         <p:blipFill>
-          <a:blip r:embed="rId13">
+          <a:blip r:embed="rId2">
             <a:extLst>
               <a:ext uri="{28A0092B-C50C-407E-A947-70E740481C1C}">
                 <a14:useLocalDpi xmlns:a14="http://schemas.microsoft.com/office/drawing/2010/main" val="0"/>
@@ -3995,7 +3998,7 @@
 </file>
 
 <file path=ppt/slides/slide9.xml><?xml version="1.0" encoding="utf-8"?>
-<p:sld xmlns:a="http://schemas.openxmlformats.org/drawingml/2006/main" xmlns:p="http://schemas.openxmlformats.org/presentationml/2006/main" xmlns:r="http://schemas.openxmlformats.org/officeDocument/2006/relationships">
+<p:sld xmlns:a="http://schemas.openxmlformats.org/drawingml/2006/main" xmlns:r="http://schemas.openxmlformats.org/officeDocument/2006/relationships" xmlns:p="http://schemas.openxmlformats.org/presentationml/2006/main">
   <p:cSld>
     <p:spTree>
       <p:nvGrpSpPr>
@@ -4013,7 +4016,7 @@
       </p:grpSpPr>
       <p:pic>
         <p:nvPicPr>
-          <p:cNvPr descr="HR Insights8" id="9" name="slide9">
+          <p:cNvPr id="9" name="slide9" descr="HR Insights8">
             <a:extLst>
               <a:ext uri="{FF2B5EF4-FFF2-40B4-BE49-F238E27FC236}">
                 <a16:creationId xmlns:a16="http://schemas.microsoft.com/office/drawing/2014/main" id="{C5E7D8C5-3B42-4D74-B9CB-21A38FEBCCE0}"/>
@@ -4026,7 +4029,7 @@
           <p:nvPr/>
         </p:nvPicPr>
         <p:blipFill>
-          <a:blip r:embed="rId14">
+          <a:blip r:embed="rId2">
             <a:extLst>
               <a:ext uri="{28A0092B-C50C-407E-A947-70E740481C1C}">
                 <a14:useLocalDpi xmlns:a14="http://schemas.microsoft.com/office/drawing/2010/main" val="0"/>
@@ -4047,36 +4050,6 @@
           </a:prstGeom>
         </p:spPr>
       </p:pic>
-    </p:spTree>
-    <p:extLst>
-      <p:ext uri="{BB962C8B-B14F-4D97-AF65-F5344CB8AC3E}">
-        <p14:creationId xmlns:p14="http://schemas.microsoft.com/office/powerpoint/2010/main" val="95992585"/>
-      </p:ext>
-    </p:extLst>
-  </p:cSld>
-  <p:clrMapOvr>
-    <a:masterClrMapping/>
-  </p:clrMapOvr>
-</p:sld>
-</file>
-
-<file path=ppt/slides/slideTemplate.xml><?xml version="1.0" encoding="utf-8"?>
-<p:sld xmlns:a="http://schemas.openxmlformats.org/drawingml/2006/main" xmlns:r="http://schemas.openxmlformats.org/officeDocument/2006/relationships" xmlns:p="http://schemas.openxmlformats.org/presentationml/2006/main">
-  <p:cSld>
-    <p:spTree>
-      <p:nvGrpSpPr>
-        <p:cNvPr id="1" name=""/>
-        <p:cNvGrpSpPr/>
-        <p:nvPr/>
-      </p:nvGrpSpPr>
-      <p:grpSpPr>
-        <a:xfrm>
-          <a:off x="0" y="0"/>
-          <a:ext cx="0" cy="0"/>
-          <a:chOff x="0" y="0"/>
-          <a:chExt cx="0" cy="0"/>
-        </a:xfrm>
-      </p:grpSpPr>
     </p:spTree>
     <p:extLst>
       <p:ext uri="{BB962C8B-B14F-4D97-AF65-F5344CB8AC3E}">
